--- a/1 - Introduction.pptx
+++ b/1 - Introduction.pptx
@@ -5,15 +5,17 @@
     <p:sldMasterId id="2147483660" r:id="rId1"/>
   </p:sldMasterIdLst>
   <p:notesMasterIdLst>
-    <p:notesMasterId r:id="rId8"/>
+    <p:notesMasterId r:id="rId10"/>
   </p:notesMasterIdLst>
   <p:sldIdLst>
     <p:sldId id="261" r:id="rId2"/>
     <p:sldId id="257" r:id="rId3"/>
-    <p:sldId id="258" r:id="rId4"/>
-    <p:sldId id="259" r:id="rId5"/>
-    <p:sldId id="256" r:id="rId6"/>
-    <p:sldId id="260" r:id="rId7"/>
+    <p:sldId id="262" r:id="rId4"/>
+    <p:sldId id="263" r:id="rId5"/>
+    <p:sldId id="258" r:id="rId6"/>
+    <p:sldId id="259" r:id="rId7"/>
+    <p:sldId id="256" r:id="rId8"/>
+    <p:sldId id="260" r:id="rId9"/>
   </p:sldIdLst>
   <p:sldSz cx="9144000" cy="6858000" type="screen4x3"/>
   <p:notesSz cx="6858000" cy="9144000"/>
@@ -197,7 +199,7 @@
           <a:p>
             <a:fld id="{F60F3329-FE98-4422-BBE9-5BD1F176F32A}" type="datetimeFigureOut">
               <a:rPr lang="en-US" smtClean="0"/>
-              <a:t>4/15/2014</a:t>
+              <a:t>4/16/2014</a:t>
             </a:fld>
             <a:endParaRPr lang="en-US"/>
           </a:p>
@@ -641,7 +643,7 @@
           <a:p>
             <a:fld id="{7599993B-62D4-4567-A8D7-2CBCE89A63BB}" type="datetime1">
               <a:rPr lang="en-US" smtClean="0"/>
-              <a:t>4/15/2014</a:t>
+              <a:t>4/16/2014</a:t>
             </a:fld>
             <a:endParaRPr lang="en-US"/>
           </a:p>
@@ -823,7 +825,7 @@
           <a:p>
             <a:fld id="{77626F61-474E-45A8-A3AF-970CE0D4BCC4}" type="datetime1">
               <a:rPr lang="en-US" smtClean="0"/>
-              <a:t>4/15/2014</a:t>
+              <a:t>4/16/2014</a:t>
             </a:fld>
             <a:endParaRPr lang="en-US"/>
           </a:p>
@@ -1008,7 +1010,7 @@
           <a:p>
             <a:fld id="{C32D9BA1-5107-4191-8C0D-E943EA107623}" type="datetime1">
               <a:rPr lang="en-US" smtClean="0"/>
-              <a:t>4/15/2014</a:t>
+              <a:t>4/16/2014</a:t>
             </a:fld>
             <a:endParaRPr lang="en-US"/>
           </a:p>
@@ -1183,7 +1185,7 @@
           <a:p>
             <a:fld id="{78E82034-70B2-4D25-AEEA-605045592344}" type="datetime1">
               <a:rPr lang="en-US" smtClean="0"/>
-              <a:t>4/15/2014</a:t>
+              <a:t>4/16/2014</a:t>
             </a:fld>
             <a:endParaRPr lang="en-US"/>
           </a:p>
@@ -1441,7 +1443,7 @@
           <a:p>
             <a:fld id="{7793AD56-745C-4C0B-B7B0-997DCDC29A20}" type="datetime1">
               <a:rPr lang="en-US" smtClean="0"/>
-              <a:t>4/15/2014</a:t>
+              <a:t>4/16/2014</a:t>
             </a:fld>
             <a:endParaRPr lang="en-US"/>
           </a:p>
@@ -1741,7 +1743,7 @@
           <a:p>
             <a:fld id="{5EA251E9-CBBE-4DE5-A1EA-A7CF882CF952}" type="datetime1">
               <a:rPr lang="en-US" smtClean="0"/>
-              <a:t>4/15/2014</a:t>
+              <a:t>4/16/2014</a:t>
             </a:fld>
             <a:endParaRPr lang="en-US"/>
           </a:p>
@@ -2168,7 +2170,7 @@
           <a:p>
             <a:fld id="{C22D4D63-68A4-49F4-BAA3-1D48A68EFABE}" type="datetime1">
               <a:rPr lang="en-US" smtClean="0"/>
-              <a:t>4/15/2014</a:t>
+              <a:t>4/16/2014</a:t>
             </a:fld>
             <a:endParaRPr lang="en-US"/>
           </a:p>
@@ -2291,7 +2293,7 @@
           <a:p>
             <a:fld id="{94CD2AB0-9708-4B53-84BB-332CDBE14C14}" type="datetime1">
               <a:rPr lang="en-US" smtClean="0"/>
-              <a:t>4/15/2014</a:t>
+              <a:t>4/16/2014</a:t>
             </a:fld>
             <a:endParaRPr lang="en-US"/>
           </a:p>
@@ -2391,7 +2393,7 @@
           <a:p>
             <a:fld id="{80ED684F-8C4D-4AC1-93EB-77F7B8263703}" type="datetime1">
               <a:rPr lang="en-US" smtClean="0"/>
-              <a:t>4/15/2014</a:t>
+              <a:t>4/16/2014</a:t>
             </a:fld>
             <a:endParaRPr lang="en-US"/>
           </a:p>
@@ -2673,7 +2675,7 @@
           <a:p>
             <a:fld id="{7BA6FD19-D024-4A78-9183-50D1CCF8724F}" type="datetime1">
               <a:rPr lang="en-US" smtClean="0"/>
-              <a:t>4/15/2014</a:t>
+              <a:t>4/16/2014</a:t>
             </a:fld>
             <a:endParaRPr lang="en-US"/>
           </a:p>
@@ -2935,7 +2937,7 @@
           <a:p>
             <a:fld id="{EE72B6A6-1A9E-4B02-8A39-424E3CA95177}" type="datetime1">
               <a:rPr lang="en-US" smtClean="0"/>
-              <a:t>4/15/2014</a:t>
+              <a:t>4/16/2014</a:t>
             </a:fld>
             <a:endParaRPr lang="en-US"/>
           </a:p>
@@ -3163,7 +3165,7 @@
           <a:p>
             <a:fld id="{1DEF56F7-375F-4235-9984-3BE18533DBF2}" type="datetime1">
               <a:rPr lang="en-US" smtClean="0"/>
-              <a:t>4/15/2014</a:t>
+              <a:t>4/16/2014</a:t>
             </a:fld>
             <a:endParaRPr lang="en-US"/>
           </a:p>
@@ -3716,7 +3718,7 @@
           <a:p>
             <a:fld id="{1D6653F6-1379-4CFB-B718-7F0FBD805A53}" type="datetime1">
               <a:rPr lang="en-US" smtClean="0"/>
-              <a:t>4/15/2014</a:t>
+              <a:t>4/16/2014</a:t>
             </a:fld>
             <a:endParaRPr lang="en-US"/>
           </a:p>
@@ -3923,7 +3925,7 @@
           <a:p>
             <a:fld id="{0ADC3C9A-BF78-43E2-BC8A-1F6A39E797E5}" type="datetime1">
               <a:rPr lang="en-US" smtClean="0"/>
-              <a:t>4/15/2014</a:t>
+              <a:t>4/16/2014</a:t>
             </a:fld>
             <a:endParaRPr lang="en-US"/>
           </a:p>
@@ -4200,6 +4202,2078 @@
           <a:p>
             <a:r>
               <a:rPr lang="en-US" dirty="0" smtClean="0"/>
+              <a:t>Words in Language Compare</a:t>
+            </a:r>
+            <a:endParaRPr lang="en-US" dirty="0"/>
+          </a:p>
+        </p:txBody>
+      </p:sp>
+      <p:sp>
+        <p:nvSpPr>
+          <p:cNvPr id="3" name="Content Placeholder 2"/>
+          <p:cNvSpPr>
+            <a:spLocks noGrp="1"/>
+          </p:cNvSpPr>
+          <p:nvPr>
+            <p:ph idx="1"/>
+          </p:nvPr>
+        </p:nvSpPr>
+        <p:spPr/>
+        <p:txBody>
+          <a:bodyPr/>
+          <a:lstStyle/>
+          <a:p>
+            <a:r>
+              <a:rPr lang="en-US" dirty="0" smtClean="0"/>
+              <a:t>To be proficient in English</a:t>
+            </a:r>
+          </a:p>
+          <a:p>
+            <a:pPr lvl="1"/>
+            <a:r>
+              <a:rPr lang="en-US" dirty="0" smtClean="0"/>
+              <a:t>About 8,000</a:t>
+            </a:r>
+          </a:p>
+          <a:p>
+            <a:r>
+              <a:rPr lang="en-US" dirty="0" smtClean="0"/>
+              <a:t>To be proficient in Java</a:t>
+            </a:r>
+          </a:p>
+          <a:p>
+            <a:pPr lvl="1"/>
+            <a:r>
+              <a:rPr lang="en-US" dirty="0" smtClean="0"/>
+              <a:t>About 45</a:t>
+            </a:r>
+          </a:p>
+          <a:p>
+            <a:pPr lvl="1"/>
+            <a:endParaRPr lang="en-US" dirty="0"/>
+          </a:p>
+        </p:txBody>
+      </p:sp>
+    </p:spTree>
+    <p:extLst>
+      <p:ext uri="{BB962C8B-B14F-4D97-AF65-F5344CB8AC3E}">
+        <p14:creationId xmlns:p14="http://schemas.microsoft.com/office/powerpoint/2010/main" val="3073054645"/>
+      </p:ext>
+    </p:extLst>
+  </p:cSld>
+  <p:clrMapOvr>
+    <a:masterClrMapping/>
+  </p:clrMapOvr>
+  <p:timing>
+    <p:tnLst>
+      <p:par>
+        <p:cTn id="1" dur="indefinite" restart="never" nodeType="tmRoot"/>
+      </p:par>
+    </p:tnLst>
+  </p:timing>
+</p:sld>
+</file>
+
+<file path=ppt/slides/slide4.xml><?xml version="1.0" encoding="utf-8"?>
+<p:sld xmlns:a="http://schemas.openxmlformats.org/drawingml/2006/main" xmlns:r="http://schemas.openxmlformats.org/officeDocument/2006/relationships" xmlns:p="http://schemas.openxmlformats.org/presentationml/2006/main">
+  <p:cSld>
+    <p:spTree>
+      <p:nvGrpSpPr>
+        <p:cNvPr id="1" name=""/>
+        <p:cNvGrpSpPr/>
+        <p:nvPr/>
+      </p:nvGrpSpPr>
+      <p:grpSpPr>
+        <a:xfrm>
+          <a:off x="0" y="0"/>
+          <a:ext cx="0" cy="0"/>
+          <a:chOff x="0" y="0"/>
+          <a:chExt cx="0" cy="0"/>
+        </a:xfrm>
+      </p:grpSpPr>
+      <p:sp>
+        <p:nvSpPr>
+          <p:cNvPr id="2" name="Title 1"/>
+          <p:cNvSpPr>
+            <a:spLocks noGrp="1"/>
+          </p:cNvSpPr>
+          <p:nvPr>
+            <p:ph type="title"/>
+          </p:nvPr>
+        </p:nvSpPr>
+        <p:spPr/>
+        <p:txBody>
+          <a:bodyPr/>
+          <a:lstStyle/>
+          <a:p>
+            <a:r>
+              <a:rPr lang="en-US" dirty="0" smtClean="0"/>
+              <a:t>The Java Keywords</a:t>
+            </a:r>
+            <a:endParaRPr lang="en-US" dirty="0"/>
+          </a:p>
+        </p:txBody>
+      </p:sp>
+      <p:graphicFrame>
+        <p:nvGraphicFramePr>
+          <p:cNvPr id="4" name="Content Placeholder 3"/>
+          <p:cNvGraphicFramePr>
+            <a:graphicFrameLocks noGrp="1"/>
+          </p:cNvGraphicFramePr>
+          <p:nvPr>
+            <p:ph idx="1"/>
+            <p:extLst>
+              <p:ext uri="{D42A27DB-BD31-4B8C-83A1-F6EECF244321}">
+                <p14:modId xmlns:p14="http://schemas.microsoft.com/office/powerpoint/2010/main" val="3760463585"/>
+              </p:ext>
+            </p:extLst>
+          </p:nvPr>
+        </p:nvGraphicFramePr>
+        <p:xfrm>
+          <a:off x="457200" y="2034381"/>
+          <a:ext cx="8229600" cy="3657600"/>
+        </p:xfrm>
+        <a:graphic>
+          <a:graphicData uri="http://schemas.openxmlformats.org/drawingml/2006/table">
+            <a:tbl>
+              <a:tblPr/>
+              <a:tblGrid>
+                <a:gridCol w="1645920"/>
+                <a:gridCol w="1645920"/>
+                <a:gridCol w="1645920"/>
+                <a:gridCol w="1645920"/>
+                <a:gridCol w="1645920"/>
+              </a:tblGrid>
+              <a:tr h="0">
+                <a:tc>
+                  <a:txBody>
+                    <a:bodyPr/>
+                    <a:lstStyle/>
+                    <a:p>
+                      <a:pPr algn="l">
+                        <a:spcBef>
+                          <a:spcPts val="0"/>
+                        </a:spcBef>
+                      </a:pPr>
+                      <a:r>
+                        <a:rPr lang="en-US" dirty="0" smtClean="0"/>
+                        <a:t>abstract</a:t>
+                      </a:r>
+                      <a:endParaRPr lang="en-US" dirty="0"/>
+                    </a:p>
+                  </a:txBody>
+                  <a:tcPr anchor="ctr">
+                    <a:lnL>
+                      <a:noFill/>
+                    </a:lnL>
+                    <a:lnR>
+                      <a:noFill/>
+                    </a:lnR>
+                    <a:lnT>
+                      <a:noFill/>
+                    </a:lnT>
+                    <a:lnB>
+                      <a:noFill/>
+                    </a:lnB>
+                  </a:tcPr>
+                </a:tc>
+                <a:tc>
+                  <a:txBody>
+                    <a:bodyPr/>
+                    <a:lstStyle/>
+                    <a:p>
+                      <a:pPr algn="l">
+                        <a:spcBef>
+                          <a:spcPts val="0"/>
+                        </a:spcBef>
+                      </a:pPr>
+                      <a:r>
+                        <a:rPr lang="en-US" dirty="0">
+                          <a:solidFill>
+                            <a:schemeClr val="tx2"/>
+                          </a:solidFill>
+                        </a:rPr>
+                        <a:t>continue</a:t>
+                      </a:r>
+                    </a:p>
+                  </a:txBody>
+                  <a:tcPr anchor="ctr">
+                    <a:lnL>
+                      <a:noFill/>
+                    </a:lnL>
+                    <a:lnR>
+                      <a:noFill/>
+                    </a:lnR>
+                    <a:lnT>
+                      <a:noFill/>
+                    </a:lnT>
+                    <a:lnB>
+                      <a:noFill/>
+                    </a:lnB>
+                  </a:tcPr>
+                </a:tc>
+                <a:tc>
+                  <a:txBody>
+                    <a:bodyPr/>
+                    <a:lstStyle/>
+                    <a:p>
+                      <a:pPr algn="l">
+                        <a:spcBef>
+                          <a:spcPts val="0"/>
+                        </a:spcBef>
+                      </a:pPr>
+                      <a:r>
+                        <a:rPr lang="en-US" dirty="0">
+                          <a:solidFill>
+                            <a:schemeClr val="tx2"/>
+                          </a:solidFill>
+                        </a:rPr>
+                        <a:t>for</a:t>
+                      </a:r>
+                    </a:p>
+                  </a:txBody>
+                  <a:tcPr anchor="ctr">
+                    <a:lnL>
+                      <a:noFill/>
+                    </a:lnL>
+                    <a:lnR>
+                      <a:noFill/>
+                    </a:lnR>
+                    <a:lnT>
+                      <a:noFill/>
+                    </a:lnT>
+                    <a:lnB>
+                      <a:noFill/>
+                    </a:lnB>
+                  </a:tcPr>
+                </a:tc>
+                <a:tc>
+                  <a:txBody>
+                    <a:bodyPr/>
+                    <a:lstStyle/>
+                    <a:p>
+                      <a:pPr algn="l">
+                        <a:spcBef>
+                          <a:spcPts val="0"/>
+                        </a:spcBef>
+                      </a:pPr>
+                      <a:r>
+                        <a:rPr lang="en-US"/>
+                        <a:t>new</a:t>
+                      </a:r>
+                    </a:p>
+                  </a:txBody>
+                  <a:tcPr anchor="ctr">
+                    <a:lnL>
+                      <a:noFill/>
+                    </a:lnL>
+                    <a:lnR>
+                      <a:noFill/>
+                    </a:lnR>
+                    <a:lnT>
+                      <a:noFill/>
+                    </a:lnT>
+                    <a:lnB>
+                      <a:noFill/>
+                    </a:lnB>
+                  </a:tcPr>
+                </a:tc>
+                <a:tc>
+                  <a:txBody>
+                    <a:bodyPr/>
+                    <a:lstStyle/>
+                    <a:p>
+                      <a:pPr algn="l">
+                        <a:spcBef>
+                          <a:spcPts val="0"/>
+                        </a:spcBef>
+                      </a:pPr>
+                      <a:r>
+                        <a:rPr lang="en-US" sz="1800" kern="1200" dirty="0">
+                          <a:solidFill>
+                            <a:schemeClr val="tx2"/>
+                          </a:solidFill>
+                          <a:latin typeface="+mn-lt"/>
+                          <a:ea typeface="+mn-ea"/>
+                          <a:cs typeface="+mn-cs"/>
+                        </a:rPr>
+                        <a:t>switch</a:t>
+                      </a:r>
+                    </a:p>
+                  </a:txBody>
+                  <a:tcPr anchor="ctr">
+                    <a:lnL>
+                      <a:noFill/>
+                    </a:lnL>
+                    <a:lnR>
+                      <a:noFill/>
+                    </a:lnR>
+                    <a:lnT>
+                      <a:noFill/>
+                    </a:lnT>
+                    <a:lnB>
+                      <a:noFill/>
+                    </a:lnB>
+                  </a:tcPr>
+                </a:tc>
+              </a:tr>
+              <a:tr h="0">
+                <a:tc>
+                  <a:txBody>
+                    <a:bodyPr/>
+                    <a:lstStyle/>
+                    <a:p>
+                      <a:pPr>
+                        <a:spcBef>
+                          <a:spcPts val="0"/>
+                        </a:spcBef>
+                      </a:pPr>
+                      <a:r>
+                        <a:rPr lang="en-US" dirty="0" smtClean="0">
+                          <a:solidFill>
+                            <a:schemeClr val="bg1">
+                              <a:lumMod val="50000"/>
+                            </a:schemeClr>
+                          </a:solidFill>
+                        </a:rPr>
+                        <a:t>assert</a:t>
+                      </a:r>
+                      <a:endParaRPr lang="en-US" dirty="0">
+                        <a:solidFill>
+                          <a:schemeClr val="bg1">
+                            <a:lumMod val="50000"/>
+                          </a:schemeClr>
+                        </a:solidFill>
+                      </a:endParaRPr>
+                    </a:p>
+                  </a:txBody>
+                  <a:tcPr anchor="ctr">
+                    <a:lnL>
+                      <a:noFill/>
+                    </a:lnL>
+                    <a:lnR>
+                      <a:noFill/>
+                    </a:lnR>
+                    <a:lnT>
+                      <a:noFill/>
+                    </a:lnT>
+                    <a:lnB>
+                      <a:noFill/>
+                    </a:lnB>
+                  </a:tcPr>
+                </a:tc>
+                <a:tc>
+                  <a:txBody>
+                    <a:bodyPr/>
+                    <a:lstStyle/>
+                    <a:p>
+                      <a:pPr algn="l">
+                        <a:spcBef>
+                          <a:spcPts val="0"/>
+                        </a:spcBef>
+                      </a:pPr>
+                      <a:r>
+                        <a:rPr lang="en-US" sz="1800" kern="1200" dirty="0">
+                          <a:solidFill>
+                            <a:schemeClr val="bg1">
+                              <a:lumMod val="50000"/>
+                            </a:schemeClr>
+                          </a:solidFill>
+                          <a:latin typeface="+mn-lt"/>
+                          <a:ea typeface="+mn-ea"/>
+                          <a:cs typeface="+mn-cs"/>
+                        </a:rPr>
+                        <a:t>default</a:t>
+                      </a:r>
+                    </a:p>
+                  </a:txBody>
+                  <a:tcPr anchor="ctr">
+                    <a:lnL>
+                      <a:noFill/>
+                    </a:lnL>
+                    <a:lnR>
+                      <a:noFill/>
+                    </a:lnR>
+                    <a:lnT>
+                      <a:noFill/>
+                    </a:lnT>
+                    <a:lnB>
+                      <a:noFill/>
+                    </a:lnB>
+                  </a:tcPr>
+                </a:tc>
+                <a:tc>
+                  <a:txBody>
+                    <a:bodyPr/>
+                    <a:lstStyle/>
+                    <a:p>
+                      <a:pPr algn="l">
+                        <a:spcBef>
+                          <a:spcPts val="0"/>
+                        </a:spcBef>
+                      </a:pPr>
+                      <a:r>
+                        <a:rPr lang="en-US" sz="1800" kern="1200" dirty="0" err="1" smtClean="0">
+                          <a:solidFill>
+                            <a:schemeClr val="bg1">
+                              <a:lumMod val="50000"/>
+                            </a:schemeClr>
+                          </a:solidFill>
+                          <a:latin typeface="+mn-lt"/>
+                          <a:ea typeface="+mn-ea"/>
+                          <a:cs typeface="+mn-cs"/>
+                        </a:rPr>
+                        <a:t>goto</a:t>
+                      </a:r>
+                      <a:endParaRPr lang="en-US" sz="1800" kern="1200" dirty="0">
+                        <a:solidFill>
+                          <a:schemeClr val="bg1">
+                            <a:lumMod val="50000"/>
+                          </a:schemeClr>
+                        </a:solidFill>
+                        <a:latin typeface="+mn-lt"/>
+                        <a:ea typeface="+mn-ea"/>
+                        <a:cs typeface="+mn-cs"/>
+                      </a:endParaRPr>
+                    </a:p>
+                  </a:txBody>
+                  <a:tcPr anchor="ctr">
+                    <a:lnL>
+                      <a:noFill/>
+                    </a:lnL>
+                    <a:lnR>
+                      <a:noFill/>
+                    </a:lnR>
+                    <a:lnT>
+                      <a:noFill/>
+                    </a:lnT>
+                    <a:lnB>
+                      <a:noFill/>
+                    </a:lnB>
+                  </a:tcPr>
+                </a:tc>
+                <a:tc>
+                  <a:txBody>
+                    <a:bodyPr/>
+                    <a:lstStyle/>
+                    <a:p>
+                      <a:pPr algn="l">
+                        <a:spcBef>
+                          <a:spcPts val="0"/>
+                        </a:spcBef>
+                      </a:pPr>
+                      <a:r>
+                        <a:rPr lang="en-US"/>
+                        <a:t>package</a:t>
+                      </a:r>
+                    </a:p>
+                  </a:txBody>
+                  <a:tcPr anchor="ctr">
+                    <a:lnL>
+                      <a:noFill/>
+                    </a:lnL>
+                    <a:lnR>
+                      <a:noFill/>
+                    </a:lnR>
+                    <a:lnT>
+                      <a:noFill/>
+                    </a:lnT>
+                    <a:lnB>
+                      <a:noFill/>
+                    </a:lnB>
+                  </a:tcPr>
+                </a:tc>
+                <a:tc>
+                  <a:txBody>
+                    <a:bodyPr/>
+                    <a:lstStyle/>
+                    <a:p>
+                      <a:pPr algn="l">
+                        <a:spcBef>
+                          <a:spcPts val="0"/>
+                        </a:spcBef>
+                      </a:pPr>
+                      <a:r>
+                        <a:rPr lang="en-US" dirty="0">
+                          <a:effectLst>
+                            <a:outerShdw blurRad="38100" dist="38100" dir="2700000" algn="tl">
+                              <a:srgbClr val="000000">
+                                <a:alpha val="43137"/>
+                              </a:srgbClr>
+                            </a:outerShdw>
+                          </a:effectLst>
+                        </a:rPr>
+                        <a:t>synchronized</a:t>
+                      </a:r>
+                    </a:p>
+                  </a:txBody>
+                  <a:tcPr anchor="ctr">
+                    <a:lnL>
+                      <a:noFill/>
+                    </a:lnL>
+                    <a:lnR>
+                      <a:noFill/>
+                    </a:lnR>
+                    <a:lnT>
+                      <a:noFill/>
+                    </a:lnT>
+                    <a:lnB>
+                      <a:noFill/>
+                    </a:lnB>
+                  </a:tcPr>
+                </a:tc>
+              </a:tr>
+              <a:tr h="0">
+                <a:tc>
+                  <a:txBody>
+                    <a:bodyPr/>
+                    <a:lstStyle/>
+                    <a:p>
+                      <a:pPr algn="l">
+                        <a:spcBef>
+                          <a:spcPts val="0"/>
+                        </a:spcBef>
+                      </a:pPr>
+                      <a:r>
+                        <a:rPr lang="en-US" dirty="0" err="1">
+                          <a:solidFill>
+                            <a:schemeClr val="accent2"/>
+                          </a:solidFill>
+                        </a:rPr>
+                        <a:t>boolean</a:t>
+                      </a:r>
+                      <a:endParaRPr lang="en-US" dirty="0">
+                        <a:solidFill>
+                          <a:schemeClr val="accent2"/>
+                        </a:solidFill>
+                      </a:endParaRPr>
+                    </a:p>
+                  </a:txBody>
+                  <a:tcPr anchor="ctr">
+                    <a:lnL>
+                      <a:noFill/>
+                    </a:lnL>
+                    <a:lnR>
+                      <a:noFill/>
+                    </a:lnR>
+                    <a:lnT>
+                      <a:noFill/>
+                    </a:lnT>
+                    <a:lnB>
+                      <a:noFill/>
+                    </a:lnB>
+                  </a:tcPr>
+                </a:tc>
+                <a:tc>
+                  <a:txBody>
+                    <a:bodyPr/>
+                    <a:lstStyle/>
+                    <a:p>
+                      <a:pPr algn="l">
+                        <a:spcBef>
+                          <a:spcPts val="0"/>
+                        </a:spcBef>
+                      </a:pPr>
+                      <a:r>
+                        <a:rPr lang="en-US" dirty="0">
+                          <a:solidFill>
+                            <a:schemeClr val="tx2"/>
+                          </a:solidFill>
+                        </a:rPr>
+                        <a:t>do</a:t>
+                      </a:r>
+                    </a:p>
+                  </a:txBody>
+                  <a:tcPr anchor="ctr">
+                    <a:lnL>
+                      <a:noFill/>
+                    </a:lnL>
+                    <a:lnR>
+                      <a:noFill/>
+                    </a:lnR>
+                    <a:lnT>
+                      <a:noFill/>
+                    </a:lnT>
+                    <a:lnB>
+                      <a:noFill/>
+                    </a:lnB>
+                  </a:tcPr>
+                </a:tc>
+                <a:tc>
+                  <a:txBody>
+                    <a:bodyPr/>
+                    <a:lstStyle/>
+                    <a:p>
+                      <a:pPr algn="l">
+                        <a:spcBef>
+                          <a:spcPts val="0"/>
+                        </a:spcBef>
+                      </a:pPr>
+                      <a:r>
+                        <a:rPr lang="en-US" dirty="0">
+                          <a:solidFill>
+                            <a:schemeClr val="tx2"/>
+                          </a:solidFill>
+                        </a:rPr>
+                        <a:t>if</a:t>
+                      </a:r>
+                    </a:p>
+                  </a:txBody>
+                  <a:tcPr anchor="ctr">
+                    <a:lnL>
+                      <a:noFill/>
+                    </a:lnL>
+                    <a:lnR>
+                      <a:noFill/>
+                    </a:lnR>
+                    <a:lnT>
+                      <a:noFill/>
+                    </a:lnT>
+                    <a:lnB>
+                      <a:noFill/>
+                    </a:lnB>
+                  </a:tcPr>
+                </a:tc>
+                <a:tc>
+                  <a:txBody>
+                    <a:bodyPr/>
+                    <a:lstStyle/>
+                    <a:p>
+                      <a:pPr algn="l">
+                        <a:spcBef>
+                          <a:spcPts val="0"/>
+                        </a:spcBef>
+                      </a:pPr>
+                      <a:r>
+                        <a:rPr lang="en-US" dirty="0">
+                          <a:solidFill>
+                            <a:schemeClr val="accent3">
+                              <a:lumMod val="50000"/>
+                            </a:schemeClr>
+                          </a:solidFill>
+                        </a:rPr>
+                        <a:t>private</a:t>
+                      </a:r>
+                    </a:p>
+                  </a:txBody>
+                  <a:tcPr anchor="ctr">
+                    <a:lnL>
+                      <a:noFill/>
+                    </a:lnL>
+                    <a:lnR>
+                      <a:noFill/>
+                    </a:lnR>
+                    <a:lnT>
+                      <a:noFill/>
+                    </a:lnT>
+                    <a:lnB>
+                      <a:noFill/>
+                    </a:lnB>
+                  </a:tcPr>
+                </a:tc>
+                <a:tc>
+                  <a:txBody>
+                    <a:bodyPr/>
+                    <a:lstStyle/>
+                    <a:p>
+                      <a:pPr algn="l">
+                        <a:spcBef>
+                          <a:spcPts val="0"/>
+                        </a:spcBef>
+                      </a:pPr>
+                      <a:r>
+                        <a:rPr lang="en-US"/>
+                        <a:t>this</a:t>
+                      </a:r>
+                    </a:p>
+                  </a:txBody>
+                  <a:tcPr anchor="ctr">
+                    <a:lnL>
+                      <a:noFill/>
+                    </a:lnL>
+                    <a:lnR>
+                      <a:noFill/>
+                    </a:lnR>
+                    <a:lnT>
+                      <a:noFill/>
+                    </a:lnT>
+                    <a:lnB>
+                      <a:noFill/>
+                    </a:lnB>
+                  </a:tcPr>
+                </a:tc>
+              </a:tr>
+              <a:tr h="0">
+                <a:tc>
+                  <a:txBody>
+                    <a:bodyPr/>
+                    <a:lstStyle/>
+                    <a:p>
+                      <a:pPr algn="l">
+                        <a:spcBef>
+                          <a:spcPts val="0"/>
+                        </a:spcBef>
+                      </a:pPr>
+                      <a:r>
+                        <a:rPr lang="en-US" dirty="0">
+                          <a:solidFill>
+                            <a:schemeClr val="tx2"/>
+                          </a:solidFill>
+                        </a:rPr>
+                        <a:t>break</a:t>
+                      </a:r>
+                    </a:p>
+                  </a:txBody>
+                  <a:tcPr anchor="ctr">
+                    <a:lnL>
+                      <a:noFill/>
+                    </a:lnL>
+                    <a:lnR>
+                      <a:noFill/>
+                    </a:lnR>
+                    <a:lnT>
+                      <a:noFill/>
+                    </a:lnT>
+                    <a:lnB>
+                      <a:noFill/>
+                    </a:lnB>
+                  </a:tcPr>
+                </a:tc>
+                <a:tc>
+                  <a:txBody>
+                    <a:bodyPr/>
+                    <a:lstStyle/>
+                    <a:p>
+                      <a:pPr algn="l">
+                        <a:spcBef>
+                          <a:spcPts val="0"/>
+                        </a:spcBef>
+                      </a:pPr>
+                      <a:r>
+                        <a:rPr lang="en-US" dirty="0">
+                          <a:solidFill>
+                            <a:schemeClr val="accent2"/>
+                          </a:solidFill>
+                        </a:rPr>
+                        <a:t>double</a:t>
+                      </a:r>
+                    </a:p>
+                  </a:txBody>
+                  <a:tcPr anchor="ctr">
+                    <a:lnL>
+                      <a:noFill/>
+                    </a:lnL>
+                    <a:lnR>
+                      <a:noFill/>
+                    </a:lnR>
+                    <a:lnT>
+                      <a:noFill/>
+                    </a:lnT>
+                    <a:lnB>
+                      <a:noFill/>
+                    </a:lnB>
+                  </a:tcPr>
+                </a:tc>
+                <a:tc>
+                  <a:txBody>
+                    <a:bodyPr/>
+                    <a:lstStyle/>
+                    <a:p>
+                      <a:pPr algn="l">
+                        <a:spcBef>
+                          <a:spcPts val="0"/>
+                        </a:spcBef>
+                      </a:pPr>
+                      <a:r>
+                        <a:rPr lang="en-US"/>
+                        <a:t>implements</a:t>
+                      </a:r>
+                    </a:p>
+                  </a:txBody>
+                  <a:tcPr anchor="ctr">
+                    <a:lnL>
+                      <a:noFill/>
+                    </a:lnL>
+                    <a:lnR>
+                      <a:noFill/>
+                    </a:lnR>
+                    <a:lnT>
+                      <a:noFill/>
+                    </a:lnT>
+                    <a:lnB>
+                      <a:noFill/>
+                    </a:lnB>
+                  </a:tcPr>
+                </a:tc>
+                <a:tc>
+                  <a:txBody>
+                    <a:bodyPr/>
+                    <a:lstStyle/>
+                    <a:p>
+                      <a:pPr algn="l">
+                        <a:spcBef>
+                          <a:spcPts val="0"/>
+                        </a:spcBef>
+                      </a:pPr>
+                      <a:r>
+                        <a:rPr lang="en-US" dirty="0">
+                          <a:solidFill>
+                            <a:schemeClr val="accent3">
+                              <a:lumMod val="50000"/>
+                            </a:schemeClr>
+                          </a:solidFill>
+                        </a:rPr>
+                        <a:t>protected</a:t>
+                      </a:r>
+                    </a:p>
+                  </a:txBody>
+                  <a:tcPr anchor="ctr">
+                    <a:lnL>
+                      <a:noFill/>
+                    </a:lnL>
+                    <a:lnR>
+                      <a:noFill/>
+                    </a:lnR>
+                    <a:lnT>
+                      <a:noFill/>
+                    </a:lnT>
+                    <a:lnB>
+                      <a:noFill/>
+                    </a:lnB>
+                  </a:tcPr>
+                </a:tc>
+                <a:tc>
+                  <a:txBody>
+                    <a:bodyPr/>
+                    <a:lstStyle/>
+                    <a:p>
+                      <a:pPr algn="l">
+                        <a:spcBef>
+                          <a:spcPts val="0"/>
+                        </a:spcBef>
+                      </a:pPr>
+                      <a:r>
+                        <a:rPr lang="en-US" sz="1800" kern="1200" dirty="0">
+                          <a:solidFill>
+                            <a:schemeClr val="accent1">
+                              <a:lumMod val="50000"/>
+                            </a:schemeClr>
+                          </a:solidFill>
+                          <a:effectLst>
+                            <a:outerShdw blurRad="38100" dist="38100" dir="2700000" algn="tl">
+                              <a:srgbClr val="000000">
+                                <a:alpha val="43137"/>
+                              </a:srgbClr>
+                            </a:outerShdw>
+                          </a:effectLst>
+                          <a:latin typeface="+mn-lt"/>
+                          <a:ea typeface="+mn-ea"/>
+                          <a:cs typeface="+mn-cs"/>
+                        </a:rPr>
+                        <a:t>throw</a:t>
+                      </a:r>
+                    </a:p>
+                  </a:txBody>
+                  <a:tcPr anchor="ctr">
+                    <a:lnL>
+                      <a:noFill/>
+                    </a:lnL>
+                    <a:lnR>
+                      <a:noFill/>
+                    </a:lnR>
+                    <a:lnT>
+                      <a:noFill/>
+                    </a:lnT>
+                    <a:lnB>
+                      <a:noFill/>
+                    </a:lnB>
+                  </a:tcPr>
+                </a:tc>
+              </a:tr>
+              <a:tr h="0">
+                <a:tc>
+                  <a:txBody>
+                    <a:bodyPr/>
+                    <a:lstStyle/>
+                    <a:p>
+                      <a:pPr algn="l">
+                        <a:spcBef>
+                          <a:spcPts val="0"/>
+                        </a:spcBef>
+                      </a:pPr>
+                      <a:r>
+                        <a:rPr lang="en-US" dirty="0">
+                          <a:solidFill>
+                            <a:schemeClr val="accent2"/>
+                          </a:solidFill>
+                        </a:rPr>
+                        <a:t>byte</a:t>
+                      </a:r>
+                    </a:p>
+                  </a:txBody>
+                  <a:tcPr anchor="ctr">
+                    <a:lnL>
+                      <a:noFill/>
+                    </a:lnL>
+                    <a:lnR>
+                      <a:noFill/>
+                    </a:lnR>
+                    <a:lnT>
+                      <a:noFill/>
+                    </a:lnT>
+                    <a:lnB>
+                      <a:noFill/>
+                    </a:lnB>
+                  </a:tcPr>
+                </a:tc>
+                <a:tc>
+                  <a:txBody>
+                    <a:bodyPr/>
+                    <a:lstStyle/>
+                    <a:p>
+                      <a:pPr algn="l">
+                        <a:spcBef>
+                          <a:spcPts val="0"/>
+                        </a:spcBef>
+                      </a:pPr>
+                      <a:r>
+                        <a:rPr lang="en-US" dirty="0">
+                          <a:solidFill>
+                            <a:schemeClr val="tx2"/>
+                          </a:solidFill>
+                        </a:rPr>
+                        <a:t>else</a:t>
+                      </a:r>
+                    </a:p>
+                  </a:txBody>
+                  <a:tcPr anchor="ctr">
+                    <a:lnL>
+                      <a:noFill/>
+                    </a:lnL>
+                    <a:lnR>
+                      <a:noFill/>
+                    </a:lnR>
+                    <a:lnT>
+                      <a:noFill/>
+                    </a:lnT>
+                    <a:lnB>
+                      <a:noFill/>
+                    </a:lnB>
+                  </a:tcPr>
+                </a:tc>
+                <a:tc>
+                  <a:txBody>
+                    <a:bodyPr/>
+                    <a:lstStyle/>
+                    <a:p>
+                      <a:pPr algn="l">
+                        <a:spcBef>
+                          <a:spcPts val="0"/>
+                        </a:spcBef>
+                      </a:pPr>
+                      <a:r>
+                        <a:rPr lang="en-US"/>
+                        <a:t>import</a:t>
+                      </a:r>
+                    </a:p>
+                  </a:txBody>
+                  <a:tcPr anchor="ctr">
+                    <a:lnL>
+                      <a:noFill/>
+                    </a:lnL>
+                    <a:lnR>
+                      <a:noFill/>
+                    </a:lnR>
+                    <a:lnT>
+                      <a:noFill/>
+                    </a:lnT>
+                    <a:lnB>
+                      <a:noFill/>
+                    </a:lnB>
+                  </a:tcPr>
+                </a:tc>
+                <a:tc>
+                  <a:txBody>
+                    <a:bodyPr/>
+                    <a:lstStyle/>
+                    <a:p>
+                      <a:pPr algn="l">
+                        <a:spcBef>
+                          <a:spcPts val="0"/>
+                        </a:spcBef>
+                      </a:pPr>
+                      <a:r>
+                        <a:rPr lang="en-US" dirty="0">
+                          <a:solidFill>
+                            <a:schemeClr val="accent3">
+                              <a:lumMod val="50000"/>
+                            </a:schemeClr>
+                          </a:solidFill>
+                        </a:rPr>
+                        <a:t>public</a:t>
+                      </a:r>
+                    </a:p>
+                  </a:txBody>
+                  <a:tcPr anchor="ctr">
+                    <a:lnL>
+                      <a:noFill/>
+                    </a:lnL>
+                    <a:lnR>
+                      <a:noFill/>
+                    </a:lnR>
+                    <a:lnT>
+                      <a:noFill/>
+                    </a:lnT>
+                    <a:lnB>
+                      <a:noFill/>
+                    </a:lnB>
+                  </a:tcPr>
+                </a:tc>
+                <a:tc>
+                  <a:txBody>
+                    <a:bodyPr/>
+                    <a:lstStyle/>
+                    <a:p>
+                      <a:pPr algn="l">
+                        <a:spcBef>
+                          <a:spcPts val="0"/>
+                        </a:spcBef>
+                      </a:pPr>
+                      <a:r>
+                        <a:rPr lang="en-US" sz="1800" kern="1200" dirty="0">
+                          <a:solidFill>
+                            <a:schemeClr val="accent1">
+                              <a:lumMod val="50000"/>
+                            </a:schemeClr>
+                          </a:solidFill>
+                          <a:effectLst>
+                            <a:outerShdw blurRad="38100" dist="38100" dir="2700000" algn="tl">
+                              <a:srgbClr val="000000">
+                                <a:alpha val="43137"/>
+                              </a:srgbClr>
+                            </a:outerShdw>
+                          </a:effectLst>
+                          <a:latin typeface="+mn-lt"/>
+                          <a:ea typeface="+mn-ea"/>
+                          <a:cs typeface="+mn-cs"/>
+                        </a:rPr>
+                        <a:t>throws</a:t>
+                      </a:r>
+                    </a:p>
+                  </a:txBody>
+                  <a:tcPr anchor="ctr">
+                    <a:lnL>
+                      <a:noFill/>
+                    </a:lnL>
+                    <a:lnR>
+                      <a:noFill/>
+                    </a:lnR>
+                    <a:lnT>
+                      <a:noFill/>
+                    </a:lnT>
+                    <a:lnB>
+                      <a:noFill/>
+                    </a:lnB>
+                  </a:tcPr>
+                </a:tc>
+              </a:tr>
+              <a:tr h="0">
+                <a:tc>
+                  <a:txBody>
+                    <a:bodyPr/>
+                    <a:lstStyle/>
+                    <a:p>
+                      <a:pPr algn="l">
+                        <a:spcBef>
+                          <a:spcPts val="0"/>
+                        </a:spcBef>
+                      </a:pPr>
+                      <a:r>
+                        <a:rPr lang="en-US" dirty="0">
+                          <a:solidFill>
+                            <a:schemeClr val="tx2"/>
+                          </a:solidFill>
+                        </a:rPr>
+                        <a:t>case</a:t>
+                      </a:r>
+                    </a:p>
+                  </a:txBody>
+                  <a:tcPr anchor="ctr">
+                    <a:lnL>
+                      <a:noFill/>
+                    </a:lnL>
+                    <a:lnR>
+                      <a:noFill/>
+                    </a:lnR>
+                    <a:lnT>
+                      <a:noFill/>
+                    </a:lnT>
+                    <a:lnB>
+                      <a:noFill/>
+                    </a:lnB>
+                  </a:tcPr>
+                </a:tc>
+                <a:tc>
+                  <a:txBody>
+                    <a:bodyPr/>
+                    <a:lstStyle/>
+                    <a:p>
+                      <a:pPr algn="l">
+                        <a:spcBef>
+                          <a:spcPts val="0"/>
+                        </a:spcBef>
+                      </a:pPr>
+                      <a:r>
+                        <a:rPr lang="en-US" dirty="0" err="1" smtClean="0"/>
+                        <a:t>enum</a:t>
+                      </a:r>
+                      <a:endParaRPr lang="en-US" dirty="0"/>
+                    </a:p>
+                  </a:txBody>
+                  <a:tcPr anchor="ctr">
+                    <a:lnL>
+                      <a:noFill/>
+                    </a:lnL>
+                    <a:lnR>
+                      <a:noFill/>
+                    </a:lnR>
+                    <a:lnT>
+                      <a:noFill/>
+                    </a:lnT>
+                    <a:lnB>
+                      <a:noFill/>
+                    </a:lnB>
+                  </a:tcPr>
+                </a:tc>
+                <a:tc>
+                  <a:txBody>
+                    <a:bodyPr/>
+                    <a:lstStyle/>
+                    <a:p>
+                      <a:pPr algn="l">
+                        <a:spcBef>
+                          <a:spcPts val="0"/>
+                        </a:spcBef>
+                      </a:pPr>
+                      <a:r>
+                        <a:rPr lang="en-US"/>
+                        <a:t>instanceof</a:t>
+                      </a:r>
+                    </a:p>
+                  </a:txBody>
+                  <a:tcPr anchor="ctr">
+                    <a:lnL>
+                      <a:noFill/>
+                    </a:lnL>
+                    <a:lnR>
+                      <a:noFill/>
+                    </a:lnR>
+                    <a:lnT>
+                      <a:noFill/>
+                    </a:lnT>
+                    <a:lnB>
+                      <a:noFill/>
+                    </a:lnB>
+                  </a:tcPr>
+                </a:tc>
+                <a:tc>
+                  <a:txBody>
+                    <a:bodyPr/>
+                    <a:lstStyle/>
+                    <a:p>
+                      <a:pPr algn="l">
+                        <a:spcBef>
+                          <a:spcPts val="0"/>
+                        </a:spcBef>
+                      </a:pPr>
+                      <a:r>
+                        <a:rPr lang="en-US" dirty="0">
+                          <a:solidFill>
+                            <a:schemeClr val="tx2"/>
+                          </a:solidFill>
+                        </a:rPr>
+                        <a:t>return</a:t>
+                      </a:r>
+                    </a:p>
+                  </a:txBody>
+                  <a:tcPr anchor="ctr">
+                    <a:lnL>
+                      <a:noFill/>
+                    </a:lnL>
+                    <a:lnR>
+                      <a:noFill/>
+                    </a:lnR>
+                    <a:lnT>
+                      <a:noFill/>
+                    </a:lnT>
+                    <a:lnB>
+                      <a:noFill/>
+                    </a:lnB>
+                  </a:tcPr>
+                </a:tc>
+                <a:tc>
+                  <a:txBody>
+                    <a:bodyPr/>
+                    <a:lstStyle/>
+                    <a:p>
+                      <a:pPr algn="l">
+                        <a:spcBef>
+                          <a:spcPts val="0"/>
+                        </a:spcBef>
+                      </a:pPr>
+                      <a:r>
+                        <a:rPr lang="en-US" sz="1800" kern="1200" dirty="0">
+                          <a:solidFill>
+                            <a:schemeClr val="bg1">
+                              <a:lumMod val="50000"/>
+                            </a:schemeClr>
+                          </a:solidFill>
+                          <a:latin typeface="+mn-lt"/>
+                          <a:ea typeface="+mn-ea"/>
+                          <a:cs typeface="+mn-cs"/>
+                        </a:rPr>
+                        <a:t>transient</a:t>
+                      </a:r>
+                    </a:p>
+                  </a:txBody>
+                  <a:tcPr anchor="ctr">
+                    <a:lnL>
+                      <a:noFill/>
+                    </a:lnL>
+                    <a:lnR>
+                      <a:noFill/>
+                    </a:lnR>
+                    <a:lnT>
+                      <a:noFill/>
+                    </a:lnT>
+                    <a:lnB>
+                      <a:noFill/>
+                    </a:lnB>
+                  </a:tcPr>
+                </a:tc>
+              </a:tr>
+              <a:tr h="0">
+                <a:tc>
+                  <a:txBody>
+                    <a:bodyPr/>
+                    <a:lstStyle/>
+                    <a:p>
+                      <a:pPr algn="l">
+                        <a:spcBef>
+                          <a:spcPts val="0"/>
+                        </a:spcBef>
+                      </a:pPr>
+                      <a:r>
+                        <a:rPr lang="en-US" dirty="0">
+                          <a:solidFill>
+                            <a:schemeClr val="accent1">
+                              <a:lumMod val="50000"/>
+                            </a:schemeClr>
+                          </a:solidFill>
+                          <a:effectLst>
+                            <a:outerShdw blurRad="38100" dist="38100" dir="2700000" algn="tl">
+                              <a:srgbClr val="000000">
+                                <a:alpha val="43137"/>
+                              </a:srgbClr>
+                            </a:outerShdw>
+                          </a:effectLst>
+                        </a:rPr>
+                        <a:t>catch</a:t>
+                      </a:r>
+                    </a:p>
+                  </a:txBody>
+                  <a:tcPr anchor="ctr">
+                    <a:lnL>
+                      <a:noFill/>
+                    </a:lnL>
+                    <a:lnR>
+                      <a:noFill/>
+                    </a:lnR>
+                    <a:lnT>
+                      <a:noFill/>
+                    </a:lnT>
+                    <a:lnB>
+                      <a:noFill/>
+                    </a:lnB>
+                  </a:tcPr>
+                </a:tc>
+                <a:tc>
+                  <a:txBody>
+                    <a:bodyPr/>
+                    <a:lstStyle/>
+                    <a:p>
+                      <a:pPr algn="l">
+                        <a:spcBef>
+                          <a:spcPts val="0"/>
+                        </a:spcBef>
+                      </a:pPr>
+                      <a:r>
+                        <a:rPr lang="en-US"/>
+                        <a:t>extends</a:t>
+                      </a:r>
+                    </a:p>
+                  </a:txBody>
+                  <a:tcPr anchor="ctr">
+                    <a:lnL>
+                      <a:noFill/>
+                    </a:lnL>
+                    <a:lnR>
+                      <a:noFill/>
+                    </a:lnR>
+                    <a:lnT>
+                      <a:noFill/>
+                    </a:lnT>
+                    <a:lnB>
+                      <a:noFill/>
+                    </a:lnB>
+                  </a:tcPr>
+                </a:tc>
+                <a:tc>
+                  <a:txBody>
+                    <a:bodyPr/>
+                    <a:lstStyle/>
+                    <a:p>
+                      <a:pPr algn="l">
+                        <a:spcBef>
+                          <a:spcPts val="0"/>
+                        </a:spcBef>
+                      </a:pPr>
+                      <a:r>
+                        <a:rPr lang="en-US" dirty="0" err="1">
+                          <a:solidFill>
+                            <a:schemeClr val="accent2"/>
+                          </a:solidFill>
+                        </a:rPr>
+                        <a:t>int</a:t>
+                      </a:r>
+                      <a:endParaRPr lang="en-US" dirty="0">
+                        <a:solidFill>
+                          <a:schemeClr val="accent2"/>
+                        </a:solidFill>
+                      </a:endParaRPr>
+                    </a:p>
+                  </a:txBody>
+                  <a:tcPr anchor="ctr">
+                    <a:lnL>
+                      <a:noFill/>
+                    </a:lnL>
+                    <a:lnR>
+                      <a:noFill/>
+                    </a:lnR>
+                    <a:lnT>
+                      <a:noFill/>
+                    </a:lnT>
+                    <a:lnB>
+                      <a:noFill/>
+                    </a:lnB>
+                  </a:tcPr>
+                </a:tc>
+                <a:tc>
+                  <a:txBody>
+                    <a:bodyPr/>
+                    <a:lstStyle/>
+                    <a:p>
+                      <a:pPr algn="l">
+                        <a:spcBef>
+                          <a:spcPts val="0"/>
+                        </a:spcBef>
+                      </a:pPr>
+                      <a:r>
+                        <a:rPr lang="en-US" dirty="0">
+                          <a:solidFill>
+                            <a:schemeClr val="accent2"/>
+                          </a:solidFill>
+                        </a:rPr>
+                        <a:t>short</a:t>
+                      </a:r>
+                    </a:p>
+                  </a:txBody>
+                  <a:tcPr anchor="ctr">
+                    <a:lnL>
+                      <a:noFill/>
+                    </a:lnL>
+                    <a:lnR>
+                      <a:noFill/>
+                    </a:lnR>
+                    <a:lnT>
+                      <a:noFill/>
+                    </a:lnT>
+                    <a:lnB>
+                      <a:noFill/>
+                    </a:lnB>
+                  </a:tcPr>
+                </a:tc>
+                <a:tc>
+                  <a:txBody>
+                    <a:bodyPr/>
+                    <a:lstStyle/>
+                    <a:p>
+                      <a:pPr algn="l">
+                        <a:spcBef>
+                          <a:spcPts val="0"/>
+                        </a:spcBef>
+                      </a:pPr>
+                      <a:r>
+                        <a:rPr lang="en-US" sz="1800" kern="1200" dirty="0">
+                          <a:solidFill>
+                            <a:schemeClr val="accent1">
+                              <a:lumMod val="50000"/>
+                            </a:schemeClr>
+                          </a:solidFill>
+                          <a:effectLst>
+                            <a:outerShdw blurRad="38100" dist="38100" dir="2700000" algn="tl">
+                              <a:srgbClr val="000000">
+                                <a:alpha val="43137"/>
+                              </a:srgbClr>
+                            </a:outerShdw>
+                          </a:effectLst>
+                          <a:latin typeface="+mn-lt"/>
+                          <a:ea typeface="+mn-ea"/>
+                          <a:cs typeface="+mn-cs"/>
+                        </a:rPr>
+                        <a:t>try</a:t>
+                      </a:r>
+                    </a:p>
+                  </a:txBody>
+                  <a:tcPr anchor="ctr">
+                    <a:lnL>
+                      <a:noFill/>
+                    </a:lnL>
+                    <a:lnR>
+                      <a:noFill/>
+                    </a:lnR>
+                    <a:lnT>
+                      <a:noFill/>
+                    </a:lnT>
+                    <a:lnB>
+                      <a:noFill/>
+                    </a:lnB>
+                  </a:tcPr>
+                </a:tc>
+              </a:tr>
+              <a:tr h="0">
+                <a:tc>
+                  <a:txBody>
+                    <a:bodyPr/>
+                    <a:lstStyle/>
+                    <a:p>
+                      <a:pPr algn="l">
+                        <a:spcBef>
+                          <a:spcPts val="0"/>
+                        </a:spcBef>
+                      </a:pPr>
+                      <a:r>
+                        <a:rPr lang="en-US" dirty="0">
+                          <a:solidFill>
+                            <a:schemeClr val="accent2"/>
+                          </a:solidFill>
+                        </a:rPr>
+                        <a:t>char</a:t>
+                      </a:r>
+                    </a:p>
+                  </a:txBody>
+                  <a:tcPr anchor="ctr">
+                    <a:lnL>
+                      <a:noFill/>
+                    </a:lnL>
+                    <a:lnR>
+                      <a:noFill/>
+                    </a:lnR>
+                    <a:lnT>
+                      <a:noFill/>
+                    </a:lnT>
+                    <a:lnB>
+                      <a:noFill/>
+                    </a:lnB>
+                  </a:tcPr>
+                </a:tc>
+                <a:tc>
+                  <a:txBody>
+                    <a:bodyPr/>
+                    <a:lstStyle/>
+                    <a:p>
+                      <a:pPr algn="l">
+                        <a:spcBef>
+                          <a:spcPts val="0"/>
+                        </a:spcBef>
+                      </a:pPr>
+                      <a:r>
+                        <a:rPr lang="en-US"/>
+                        <a:t>final</a:t>
+                      </a:r>
+                    </a:p>
+                  </a:txBody>
+                  <a:tcPr anchor="ctr">
+                    <a:lnL>
+                      <a:noFill/>
+                    </a:lnL>
+                    <a:lnR>
+                      <a:noFill/>
+                    </a:lnR>
+                    <a:lnT>
+                      <a:noFill/>
+                    </a:lnT>
+                    <a:lnB>
+                      <a:noFill/>
+                    </a:lnB>
+                  </a:tcPr>
+                </a:tc>
+                <a:tc>
+                  <a:txBody>
+                    <a:bodyPr/>
+                    <a:lstStyle/>
+                    <a:p>
+                      <a:pPr algn="l">
+                        <a:spcBef>
+                          <a:spcPts val="0"/>
+                        </a:spcBef>
+                      </a:pPr>
+                      <a:r>
+                        <a:rPr lang="en-US"/>
+                        <a:t>interface</a:t>
+                      </a:r>
+                    </a:p>
+                  </a:txBody>
+                  <a:tcPr anchor="ctr">
+                    <a:lnL>
+                      <a:noFill/>
+                    </a:lnL>
+                    <a:lnR>
+                      <a:noFill/>
+                    </a:lnR>
+                    <a:lnT>
+                      <a:noFill/>
+                    </a:lnT>
+                    <a:lnB>
+                      <a:noFill/>
+                    </a:lnB>
+                  </a:tcPr>
+                </a:tc>
+                <a:tc>
+                  <a:txBody>
+                    <a:bodyPr/>
+                    <a:lstStyle/>
+                    <a:p>
+                      <a:pPr algn="l">
+                        <a:spcBef>
+                          <a:spcPts val="0"/>
+                        </a:spcBef>
+                      </a:pPr>
+                      <a:r>
+                        <a:rPr lang="en-US"/>
+                        <a:t>static</a:t>
+                      </a:r>
+                    </a:p>
+                  </a:txBody>
+                  <a:tcPr anchor="ctr">
+                    <a:lnL>
+                      <a:noFill/>
+                    </a:lnL>
+                    <a:lnR>
+                      <a:noFill/>
+                    </a:lnR>
+                    <a:lnT>
+                      <a:noFill/>
+                    </a:lnT>
+                    <a:lnB>
+                      <a:noFill/>
+                    </a:lnB>
+                  </a:tcPr>
+                </a:tc>
+                <a:tc>
+                  <a:txBody>
+                    <a:bodyPr/>
+                    <a:lstStyle/>
+                    <a:p>
+                      <a:pPr algn="l">
+                        <a:spcBef>
+                          <a:spcPts val="0"/>
+                        </a:spcBef>
+                      </a:pPr>
+                      <a:r>
+                        <a:rPr lang="en-US" sz="1800" kern="1200" dirty="0">
+                          <a:solidFill>
+                            <a:schemeClr val="accent2"/>
+                          </a:solidFill>
+                          <a:latin typeface="+mn-lt"/>
+                          <a:ea typeface="+mn-ea"/>
+                          <a:cs typeface="+mn-cs"/>
+                        </a:rPr>
+                        <a:t>void</a:t>
+                      </a:r>
+                    </a:p>
+                  </a:txBody>
+                  <a:tcPr anchor="ctr">
+                    <a:lnL>
+                      <a:noFill/>
+                    </a:lnL>
+                    <a:lnR>
+                      <a:noFill/>
+                    </a:lnR>
+                    <a:lnT>
+                      <a:noFill/>
+                    </a:lnT>
+                    <a:lnB>
+                      <a:noFill/>
+                    </a:lnB>
+                  </a:tcPr>
+                </a:tc>
+              </a:tr>
+              <a:tr h="0">
+                <a:tc>
+                  <a:txBody>
+                    <a:bodyPr/>
+                    <a:lstStyle/>
+                    <a:p>
+                      <a:pPr algn="l">
+                        <a:spcBef>
+                          <a:spcPts val="0"/>
+                        </a:spcBef>
+                      </a:pPr>
+                      <a:r>
+                        <a:rPr lang="en-US" dirty="0"/>
+                        <a:t>class</a:t>
+                      </a:r>
+                    </a:p>
+                  </a:txBody>
+                  <a:tcPr anchor="ctr">
+                    <a:lnL>
+                      <a:noFill/>
+                    </a:lnL>
+                    <a:lnR>
+                      <a:noFill/>
+                    </a:lnR>
+                    <a:lnT>
+                      <a:noFill/>
+                    </a:lnT>
+                    <a:lnB>
+                      <a:noFill/>
+                    </a:lnB>
+                  </a:tcPr>
+                </a:tc>
+                <a:tc>
+                  <a:txBody>
+                    <a:bodyPr/>
+                    <a:lstStyle/>
+                    <a:p>
+                      <a:pPr algn="l">
+                        <a:spcBef>
+                          <a:spcPts val="0"/>
+                        </a:spcBef>
+                      </a:pPr>
+                      <a:r>
+                        <a:rPr lang="en-US" sz="1800" kern="1200" dirty="0">
+                          <a:solidFill>
+                            <a:schemeClr val="accent1">
+                              <a:lumMod val="50000"/>
+                            </a:schemeClr>
+                          </a:solidFill>
+                          <a:effectLst>
+                            <a:outerShdw blurRad="38100" dist="38100" dir="2700000" algn="tl">
+                              <a:srgbClr val="000000">
+                                <a:alpha val="43137"/>
+                              </a:srgbClr>
+                            </a:outerShdw>
+                          </a:effectLst>
+                          <a:latin typeface="+mn-lt"/>
+                          <a:ea typeface="+mn-ea"/>
+                          <a:cs typeface="+mn-cs"/>
+                        </a:rPr>
+                        <a:t>finally</a:t>
+                      </a:r>
+                    </a:p>
+                  </a:txBody>
+                  <a:tcPr anchor="ctr">
+                    <a:lnL>
+                      <a:noFill/>
+                    </a:lnL>
+                    <a:lnR>
+                      <a:noFill/>
+                    </a:lnR>
+                    <a:lnT>
+                      <a:noFill/>
+                    </a:lnT>
+                    <a:lnB>
+                      <a:noFill/>
+                    </a:lnB>
+                  </a:tcPr>
+                </a:tc>
+                <a:tc>
+                  <a:txBody>
+                    <a:bodyPr/>
+                    <a:lstStyle/>
+                    <a:p>
+                      <a:pPr algn="l">
+                        <a:spcBef>
+                          <a:spcPts val="0"/>
+                        </a:spcBef>
+                      </a:pPr>
+                      <a:r>
+                        <a:rPr lang="en-US" dirty="0">
+                          <a:solidFill>
+                            <a:schemeClr val="accent2"/>
+                          </a:solidFill>
+                        </a:rPr>
+                        <a:t>long</a:t>
+                      </a:r>
+                    </a:p>
+                  </a:txBody>
+                  <a:tcPr anchor="ctr">
+                    <a:lnL>
+                      <a:noFill/>
+                    </a:lnL>
+                    <a:lnR>
+                      <a:noFill/>
+                    </a:lnR>
+                    <a:lnT>
+                      <a:noFill/>
+                    </a:lnT>
+                    <a:lnB>
+                      <a:noFill/>
+                    </a:lnB>
+                  </a:tcPr>
+                </a:tc>
+                <a:tc>
+                  <a:txBody>
+                    <a:bodyPr/>
+                    <a:lstStyle/>
+                    <a:p>
+                      <a:pPr algn="l">
+                        <a:spcBef>
+                          <a:spcPts val="0"/>
+                        </a:spcBef>
+                      </a:pPr>
+                      <a:r>
+                        <a:rPr lang="en-US" sz="1800" kern="1200" dirty="0" err="1" smtClean="0">
+                          <a:solidFill>
+                            <a:schemeClr val="bg1">
+                              <a:lumMod val="50000"/>
+                            </a:schemeClr>
+                          </a:solidFill>
+                          <a:latin typeface="+mn-lt"/>
+                          <a:ea typeface="+mn-ea"/>
+                          <a:cs typeface="+mn-cs"/>
+                        </a:rPr>
+                        <a:t>strictfp</a:t>
+                      </a:r>
+                      <a:endParaRPr lang="en-US" sz="1800" kern="1200" dirty="0">
+                        <a:solidFill>
+                          <a:schemeClr val="bg1">
+                            <a:lumMod val="50000"/>
+                          </a:schemeClr>
+                        </a:solidFill>
+                        <a:latin typeface="+mn-lt"/>
+                        <a:ea typeface="+mn-ea"/>
+                        <a:cs typeface="+mn-cs"/>
+                      </a:endParaRPr>
+                    </a:p>
+                  </a:txBody>
+                  <a:tcPr anchor="ctr">
+                    <a:lnL>
+                      <a:noFill/>
+                    </a:lnL>
+                    <a:lnR>
+                      <a:noFill/>
+                    </a:lnR>
+                    <a:lnT>
+                      <a:noFill/>
+                    </a:lnT>
+                    <a:lnB>
+                      <a:noFill/>
+                    </a:lnB>
+                  </a:tcPr>
+                </a:tc>
+                <a:tc>
+                  <a:txBody>
+                    <a:bodyPr/>
+                    <a:lstStyle/>
+                    <a:p>
+                      <a:pPr algn="l">
+                        <a:spcBef>
+                          <a:spcPts val="0"/>
+                        </a:spcBef>
+                      </a:pPr>
+                      <a:r>
+                        <a:rPr lang="en-US" dirty="0">
+                          <a:effectLst>
+                            <a:outerShdw blurRad="38100" dist="38100" dir="2700000" algn="tl">
+                              <a:srgbClr val="000000">
+                                <a:alpha val="43137"/>
+                              </a:srgbClr>
+                            </a:outerShdw>
+                          </a:effectLst>
+                        </a:rPr>
+                        <a:t>volatile</a:t>
+                      </a:r>
+                    </a:p>
+                  </a:txBody>
+                  <a:tcPr anchor="ctr">
+                    <a:lnL>
+                      <a:noFill/>
+                    </a:lnL>
+                    <a:lnR>
+                      <a:noFill/>
+                    </a:lnR>
+                    <a:lnT>
+                      <a:noFill/>
+                    </a:lnT>
+                    <a:lnB>
+                      <a:noFill/>
+                    </a:lnB>
+                  </a:tcPr>
+                </a:tc>
+              </a:tr>
+              <a:tr h="0">
+                <a:tc>
+                  <a:txBody>
+                    <a:bodyPr/>
+                    <a:lstStyle/>
+                    <a:p>
+                      <a:pPr algn="l">
+                        <a:spcBef>
+                          <a:spcPts val="0"/>
+                        </a:spcBef>
+                      </a:pPr>
+                      <a:r>
+                        <a:rPr lang="en-US" sz="1800" kern="1200" dirty="0" err="1" smtClean="0">
+                          <a:solidFill>
+                            <a:schemeClr val="bg1">
+                              <a:lumMod val="50000"/>
+                            </a:schemeClr>
+                          </a:solidFill>
+                          <a:latin typeface="+mn-lt"/>
+                          <a:ea typeface="+mn-ea"/>
+                          <a:cs typeface="+mn-cs"/>
+                        </a:rPr>
+                        <a:t>const</a:t>
+                      </a:r>
+                      <a:endParaRPr lang="en-US" sz="1800" kern="1200" dirty="0">
+                        <a:solidFill>
+                          <a:schemeClr val="bg1">
+                            <a:lumMod val="50000"/>
+                          </a:schemeClr>
+                        </a:solidFill>
+                        <a:latin typeface="+mn-lt"/>
+                        <a:ea typeface="+mn-ea"/>
+                        <a:cs typeface="+mn-cs"/>
+                      </a:endParaRPr>
+                    </a:p>
+                  </a:txBody>
+                  <a:tcPr anchor="ctr">
+                    <a:lnL>
+                      <a:noFill/>
+                    </a:lnL>
+                    <a:lnR>
+                      <a:noFill/>
+                    </a:lnR>
+                    <a:lnT>
+                      <a:noFill/>
+                    </a:lnT>
+                    <a:lnB>
+                      <a:noFill/>
+                    </a:lnB>
+                  </a:tcPr>
+                </a:tc>
+                <a:tc>
+                  <a:txBody>
+                    <a:bodyPr/>
+                    <a:lstStyle/>
+                    <a:p>
+                      <a:pPr algn="l">
+                        <a:spcBef>
+                          <a:spcPts val="0"/>
+                        </a:spcBef>
+                      </a:pPr>
+                      <a:r>
+                        <a:rPr lang="en-US" dirty="0">
+                          <a:solidFill>
+                            <a:schemeClr val="accent2"/>
+                          </a:solidFill>
+                        </a:rPr>
+                        <a:t>float</a:t>
+                      </a:r>
+                    </a:p>
+                  </a:txBody>
+                  <a:tcPr anchor="ctr">
+                    <a:lnL>
+                      <a:noFill/>
+                    </a:lnL>
+                    <a:lnR>
+                      <a:noFill/>
+                    </a:lnR>
+                    <a:lnT>
+                      <a:noFill/>
+                    </a:lnT>
+                    <a:lnB>
+                      <a:noFill/>
+                    </a:lnB>
+                  </a:tcPr>
+                </a:tc>
+                <a:tc>
+                  <a:txBody>
+                    <a:bodyPr/>
+                    <a:lstStyle/>
+                    <a:p>
+                      <a:pPr algn="l">
+                        <a:spcBef>
+                          <a:spcPts val="0"/>
+                        </a:spcBef>
+                      </a:pPr>
+                      <a:r>
+                        <a:rPr lang="en-US" sz="1800" kern="1200" dirty="0">
+                          <a:solidFill>
+                            <a:schemeClr val="bg1">
+                              <a:lumMod val="50000"/>
+                            </a:schemeClr>
+                          </a:solidFill>
+                          <a:latin typeface="+mn-lt"/>
+                          <a:ea typeface="+mn-ea"/>
+                          <a:cs typeface="+mn-cs"/>
+                        </a:rPr>
+                        <a:t>native</a:t>
+                      </a:r>
+                    </a:p>
+                  </a:txBody>
+                  <a:tcPr anchor="ctr">
+                    <a:lnL>
+                      <a:noFill/>
+                    </a:lnL>
+                    <a:lnR>
+                      <a:noFill/>
+                    </a:lnR>
+                    <a:lnT>
+                      <a:noFill/>
+                    </a:lnT>
+                    <a:lnB>
+                      <a:noFill/>
+                    </a:lnB>
+                  </a:tcPr>
+                </a:tc>
+                <a:tc>
+                  <a:txBody>
+                    <a:bodyPr/>
+                    <a:lstStyle/>
+                    <a:p>
+                      <a:pPr algn="l">
+                        <a:spcBef>
+                          <a:spcPts val="0"/>
+                        </a:spcBef>
+                      </a:pPr>
+                      <a:r>
+                        <a:rPr lang="en-US" dirty="0"/>
+                        <a:t>super</a:t>
+                      </a:r>
+                    </a:p>
+                  </a:txBody>
+                  <a:tcPr anchor="ctr">
+                    <a:lnL>
+                      <a:noFill/>
+                    </a:lnL>
+                    <a:lnR>
+                      <a:noFill/>
+                    </a:lnR>
+                    <a:lnT>
+                      <a:noFill/>
+                    </a:lnT>
+                    <a:lnB>
+                      <a:noFill/>
+                    </a:lnB>
+                  </a:tcPr>
+                </a:tc>
+                <a:tc>
+                  <a:txBody>
+                    <a:bodyPr/>
+                    <a:lstStyle/>
+                    <a:p>
+                      <a:pPr algn="l">
+                        <a:spcBef>
+                          <a:spcPts val="0"/>
+                        </a:spcBef>
+                      </a:pPr>
+                      <a:r>
+                        <a:rPr lang="en-US" dirty="0">
+                          <a:solidFill>
+                            <a:schemeClr val="tx2"/>
+                          </a:solidFill>
+                        </a:rPr>
+                        <a:t>while</a:t>
+                      </a:r>
+                    </a:p>
+                  </a:txBody>
+                  <a:tcPr anchor="ctr">
+                    <a:lnL>
+                      <a:noFill/>
+                    </a:lnL>
+                    <a:lnR>
+                      <a:noFill/>
+                    </a:lnR>
+                    <a:lnT>
+                      <a:noFill/>
+                    </a:lnT>
+                    <a:lnB>
+                      <a:noFill/>
+                    </a:lnB>
+                  </a:tcPr>
+                </a:tc>
+              </a:tr>
+            </a:tbl>
+          </a:graphicData>
+        </a:graphic>
+      </p:graphicFrame>
+    </p:spTree>
+    <p:extLst>
+      <p:ext uri="{BB962C8B-B14F-4D97-AF65-F5344CB8AC3E}">
+        <p14:creationId xmlns:p14="http://schemas.microsoft.com/office/powerpoint/2010/main" val="239430980"/>
+      </p:ext>
+    </p:extLst>
+  </p:cSld>
+  <p:clrMapOvr>
+    <a:masterClrMapping/>
+  </p:clrMapOvr>
+  <p:timing>
+    <p:tnLst>
+      <p:par>
+        <p:cTn id="1" dur="indefinite" restart="never" nodeType="tmRoot"/>
+      </p:par>
+    </p:tnLst>
+  </p:timing>
+</p:sld>
+</file>
+
+<file path=ppt/slides/slide5.xml><?xml version="1.0" encoding="utf-8"?>
+<p:sld xmlns:a="http://schemas.openxmlformats.org/drawingml/2006/main" xmlns:r="http://schemas.openxmlformats.org/officeDocument/2006/relationships" xmlns:p="http://schemas.openxmlformats.org/presentationml/2006/main">
+  <p:cSld>
+    <p:spTree>
+      <p:nvGrpSpPr>
+        <p:cNvPr id="1" name=""/>
+        <p:cNvGrpSpPr/>
+        <p:nvPr/>
+      </p:nvGrpSpPr>
+      <p:grpSpPr>
+        <a:xfrm>
+          <a:off x="0" y="0"/>
+          <a:ext cx="0" cy="0"/>
+          <a:chOff x="0" y="0"/>
+          <a:chExt cx="0" cy="0"/>
+        </a:xfrm>
+      </p:grpSpPr>
+      <p:sp>
+        <p:nvSpPr>
+          <p:cNvPr id="2" name="Title 1"/>
+          <p:cNvSpPr>
+            <a:spLocks noGrp="1"/>
+          </p:cNvSpPr>
+          <p:nvPr>
+            <p:ph type="title"/>
+          </p:nvPr>
+        </p:nvSpPr>
+        <p:spPr/>
+        <p:txBody>
+          <a:bodyPr/>
+          <a:lstStyle/>
+          <a:p>
+            <a:r>
+              <a:rPr lang="en-US" dirty="0" smtClean="0"/>
               <a:t>Show and Tell</a:t>
             </a:r>
             <a:endParaRPr lang="en-US" dirty="0"/>
@@ -4338,7 +6412,7 @@
           <a:p>
             <a:fld id="{CB087363-9E51-4EBE-983C-8E5247D63F01}" type="datetime1">
               <a:rPr lang="en-US" smtClean="0"/>
-              <a:t>4/15/2014</a:t>
+              <a:t>4/16/2014</a:t>
             </a:fld>
             <a:endParaRPr lang="en-US"/>
           </a:p>
@@ -4385,7 +6459,7 @@
             <a:fld id="{B6F15528-21DE-4FAA-801E-634DDDAF4B2B}" type="slidenum">
               <a:rPr lang="en-US" smtClean="0"/>
               <a:pPr/>
-              <a:t>3</a:t>
+              <a:t>5</a:t>
             </a:fld>
             <a:endParaRPr lang="en-US"/>
           </a:p>
@@ -4749,7 +6823,7 @@
 </p:sld>
 </file>
 
-<file path=ppt/slides/slide4.xml><?xml version="1.0" encoding="utf-8"?>
+<file path=ppt/slides/slide6.xml><?xml version="1.0" encoding="utf-8"?>
 <p:sld xmlns:a="http://schemas.openxmlformats.org/drawingml/2006/main" xmlns:r="http://schemas.openxmlformats.org/officeDocument/2006/relationships" xmlns:p="http://schemas.openxmlformats.org/presentationml/2006/main">
   <p:cSld>
     <p:spTree>
@@ -4877,7 +6951,7 @@
           <a:p>
             <a:fld id="{7CCF68D9-CB59-4FA5-BD17-5C218B69AC95}" type="datetime1">
               <a:rPr lang="en-US" smtClean="0"/>
-              <a:t>4/15/2014</a:t>
+              <a:t>4/16/2014</a:t>
             </a:fld>
             <a:endParaRPr lang="en-US"/>
           </a:p>
@@ -4924,7 +6998,7 @@
             <a:fld id="{B6F15528-21DE-4FAA-801E-634DDDAF4B2B}" type="slidenum">
               <a:rPr lang="en-US" smtClean="0"/>
               <a:pPr/>
-              <a:t>4</a:t>
+              <a:t>6</a:t>
             </a:fld>
             <a:endParaRPr lang="en-US"/>
           </a:p>
@@ -5311,7 +7385,7 @@
 </p:sld>
 </file>
 
-<file path=ppt/slides/slide5.xml><?xml version="1.0" encoding="utf-8"?>
+<file path=ppt/slides/slide7.xml><?xml version="1.0" encoding="utf-8"?>
 <p:sld xmlns:a="http://schemas.openxmlformats.org/drawingml/2006/main" xmlns:r="http://schemas.openxmlformats.org/officeDocument/2006/relationships" xmlns:p="http://schemas.openxmlformats.org/presentationml/2006/main">
   <p:cSld>
     <p:spTree>
@@ -5402,7 +7476,7 @@
           <a:p>
             <a:fld id="{67AE4C37-3661-4582-B388-0867A97EBC48}" type="datetime1">
               <a:rPr lang="en-US" smtClean="0"/>
-              <a:t>4/15/2014</a:t>
+              <a:t>4/16/2014</a:t>
             </a:fld>
             <a:endParaRPr lang="en-US"/>
           </a:p>
@@ -5449,7 +7523,7 @@
             <a:fld id="{B6F15528-21DE-4FAA-801E-634DDDAF4B2B}" type="slidenum">
               <a:rPr lang="en-US" smtClean="0"/>
               <a:pPr/>
-              <a:t>5</a:t>
+              <a:t>7</a:t>
             </a:fld>
             <a:endParaRPr lang="en-US"/>
           </a:p>
@@ -5547,7 +7621,7 @@
 </p:sld>
 </file>
 
-<file path=ppt/slides/slide6.xml><?xml version="1.0" encoding="utf-8"?>
+<file path=ppt/slides/slide8.xml><?xml version="1.0" encoding="utf-8"?>
 <p:sld xmlns:a="http://schemas.openxmlformats.org/drawingml/2006/main" xmlns:r="http://schemas.openxmlformats.org/officeDocument/2006/relationships" xmlns:p="http://schemas.openxmlformats.org/presentationml/2006/main">
   <p:cSld>
     <p:spTree>
@@ -5657,7 +7731,7 @@
           <a:p>
             <a:fld id="{7C4DC8CF-340A-4DF2-919B-5BB54AC2E204}" type="datetime1">
               <a:rPr lang="en-US" smtClean="0"/>
-              <a:t>4/15/2014</a:t>
+              <a:t>4/16/2014</a:t>
             </a:fld>
             <a:endParaRPr lang="en-US"/>
           </a:p>
@@ -5704,7 +7778,7 @@
             <a:fld id="{B6F15528-21DE-4FAA-801E-634DDDAF4B2B}" type="slidenum">
               <a:rPr lang="en-US" smtClean="0"/>
               <a:pPr/>
-              <a:t>6</a:t>
+              <a:t>8</a:t>
             </a:fld>
             <a:endParaRPr lang="en-US"/>
           </a:p>
